--- a/docs/NginxK8sLBcontroller-Overview-V1.pptx
+++ b/docs/NginxK8sLBcontroller-Overview-V1.pptx
@@ -117,6 +117,11 @@
       </a:defRPr>
     </a:lvl9pPr>
   </p:defaultTextStyle>
+  <p:extLst>
+    <p:ext uri="{EFAFB233-063F-42B5-8137-9DF3F51BA10A}">
+      <p15:sldGuideLst xmlns:p15="http://schemas.microsoft.com/office/powerpoint/2012/main"/>
+    </p:ext>
+  </p:extLst>
 </p:presentation>
 </file>
 
@@ -202,7 +207,7 @@
           <a:p>
             <a:fld id="{51FCD85E-70C8-6C42-9977-F3F7D073E2E5}" type="datetimeFigureOut">
               <a:rPr lang="en-US" smtClean="0"/>
-              <a:t>1/30/23</a:t>
+              <a:t>2/14/23</a:t>
             </a:fld>
             <a:endParaRPr lang="en-US"/>
           </a:p>
@@ -5601,7 +5606,7 @@
           <a:p>
             <a:fld id="{E437DBA4-48B0-EA42-9279-D0828DCDF097}" type="datetimeFigureOut">
               <a:rPr lang="en-US" smtClean="0"/>
-              <a:t>1/30/23</a:t>
+              <a:t>2/14/23</a:t>
             </a:fld>
             <a:endParaRPr lang="en-US"/>
           </a:p>
@@ -5799,7 +5804,7 @@
           <a:p>
             <a:fld id="{E437DBA4-48B0-EA42-9279-D0828DCDF097}" type="datetimeFigureOut">
               <a:rPr lang="en-US" smtClean="0"/>
-              <a:t>1/30/23</a:t>
+              <a:t>2/14/23</a:t>
             </a:fld>
             <a:endParaRPr lang="en-US"/>
           </a:p>
@@ -6007,7 +6012,7 @@
           <a:p>
             <a:fld id="{E437DBA4-48B0-EA42-9279-D0828DCDF097}" type="datetimeFigureOut">
               <a:rPr lang="en-US" smtClean="0"/>
-              <a:t>1/30/23</a:t>
+              <a:t>2/14/23</a:t>
             </a:fld>
             <a:endParaRPr lang="en-US"/>
           </a:p>
@@ -17133,7 +17138,7 @@
           <a:p>
             <a:fld id="{E437DBA4-48B0-EA42-9279-D0828DCDF097}" type="datetimeFigureOut">
               <a:rPr lang="en-US" smtClean="0"/>
-              <a:t>1/30/23</a:t>
+              <a:t>2/14/23</a:t>
             </a:fld>
             <a:endParaRPr lang="en-US"/>
           </a:p>
@@ -28404,7 +28409,7 @@
           <a:p>
             <a:fld id="{E437DBA4-48B0-EA42-9279-D0828DCDF097}" type="datetimeFigureOut">
               <a:rPr lang="en-US" smtClean="0"/>
-              <a:t>1/30/23</a:t>
+              <a:t>2/14/23</a:t>
             </a:fld>
             <a:endParaRPr lang="en-US"/>
           </a:p>
@@ -43236,7 +43241,7 @@
           <a:p>
             <a:fld id="{E437DBA4-48B0-EA42-9279-D0828DCDF097}" type="datetimeFigureOut">
               <a:rPr lang="en-US" smtClean="0"/>
-              <a:t>1/30/23</a:t>
+              <a:t>2/14/23</a:t>
             </a:fld>
             <a:endParaRPr lang="en-US"/>
           </a:p>
@@ -44446,7 +44451,7 @@
           <a:p>
             <a:fld id="{E437DBA4-48B0-EA42-9279-D0828DCDF097}" type="datetimeFigureOut">
               <a:rPr lang="en-US" smtClean="0"/>
-              <a:t>1/30/23</a:t>
+              <a:t>2/14/23</a:t>
             </a:fld>
             <a:endParaRPr lang="en-US"/>
           </a:p>
@@ -44587,7 +44592,7 @@
           <a:p>
             <a:fld id="{E437DBA4-48B0-EA42-9279-D0828DCDF097}" type="datetimeFigureOut">
               <a:rPr lang="en-US" smtClean="0"/>
-              <a:t>1/30/23</a:t>
+              <a:t>2/14/23</a:t>
             </a:fld>
             <a:endParaRPr lang="en-US"/>
           </a:p>
@@ -44700,7 +44705,7 @@
           <a:p>
             <a:fld id="{E437DBA4-48B0-EA42-9279-D0828DCDF097}" type="datetimeFigureOut">
               <a:rPr lang="en-US" smtClean="0"/>
-              <a:t>1/30/23</a:t>
+              <a:t>2/14/23</a:t>
             </a:fld>
             <a:endParaRPr lang="en-US"/>
           </a:p>
@@ -45011,7 +45016,7 @@
           <a:p>
             <a:fld id="{E437DBA4-48B0-EA42-9279-D0828DCDF097}" type="datetimeFigureOut">
               <a:rPr lang="en-US" smtClean="0"/>
-              <a:t>1/30/23</a:t>
+              <a:t>2/14/23</a:t>
             </a:fld>
             <a:endParaRPr lang="en-US"/>
           </a:p>
@@ -45299,7 +45304,7 @@
           <a:p>
             <a:fld id="{E437DBA4-48B0-EA42-9279-D0828DCDF097}" type="datetimeFigureOut">
               <a:rPr lang="en-US" smtClean="0"/>
-              <a:t>1/30/23</a:t>
+              <a:t>2/14/23</a:t>
             </a:fld>
             <a:endParaRPr lang="en-US"/>
           </a:p>
@@ -45540,7 +45545,7 @@
           <a:p>
             <a:fld id="{E437DBA4-48B0-EA42-9279-D0828DCDF097}" type="datetimeFigureOut">
               <a:rPr lang="en-US" smtClean="0"/>
-              <a:t>1/30/23</a:t>
+              <a:t>2/14/23</a:t>
             </a:fld>
             <a:endParaRPr lang="en-US"/>
           </a:p>
@@ -48172,14 +48177,13 @@
         </p:nvPicPr>
         <p:blipFill>
           <a:blip r:embed="rId2"/>
-          <a:stretch>
-            <a:fillRect/>
-          </a:stretch>
+          <a:srcRect/>
+          <a:stretch/>
         </p:blipFill>
         <p:spPr>
           <a:xfrm>
-            <a:off x="3565455" y="119392"/>
-            <a:ext cx="8468393" cy="6619215"/>
+            <a:off x="3591722" y="119392"/>
+            <a:ext cx="8415859" cy="6619215"/>
           </a:xfrm>
         </p:spPr>
       </p:pic>
@@ -48244,7 +48248,7 @@
           <a:p>
             <a:r>
               <a:rPr lang="en-US" dirty="0"/>
-              <a:t>Nginx Plus LB Server</a:t>
+              <a:t>Nginx Plus LB Servers</a:t>
             </a:r>
           </a:p>
           <a:p>
